--- a/胡歧龙开题答辩ppt-东北大学  (2) [自动保存的].pptx
+++ b/胡歧龙开题答辩ppt-东北大学  (2) [自动保存的].pptx
@@ -265,7 +265,7 @@
             <a:fld id="{74BD64B3-E10C-46CA-A6B2-6A7C69EA4102}" type="datetimeFigureOut">
               <a:rPr lang="zh-CN" altLang="en-US" smtClean="0"/>
               <a:pPr/>
-              <a:t>2017/3/30</a:t>
+              <a:t>2017/4/7</a:t>
             </a:fld>
             <a:endParaRPr lang="zh-CN" altLang="en-US"/>
           </a:p>
@@ -1039,13 +1039,6 @@
           <a:bodyPr/>
           <a:lstStyle/>
           <a:p>
-            <a:r>
-              <a:rPr lang="zh-CN" altLang="en-US" dirty="0" smtClean="0"/>
-              <a:t>可不可以设置用户的获取信道的最大数量，达到这个数量，则不再向用户分配信道？？</a:t>
-            </a:r>
-            <a:endParaRPr lang="en-US" altLang="zh-CN" dirty="0" smtClean="0"/>
-          </a:p>
-          <a:p>
             <a:endParaRPr lang="zh-CN" altLang="en-US" dirty="0"/>
           </a:p>
         </p:txBody>
@@ -1068,6 +1061,98 @@
             <a:fld id="{090B6873-00C3-44D3-80AF-F628129347FF}" type="slidenum">
               <a:rPr lang="zh-CN" altLang="en-US" smtClean="0"/>
               <a:pPr/>
+              <a:t>38</a:t>
+            </a:fld>
+            <a:endParaRPr lang="zh-CN" altLang="en-US"/>
+          </a:p>
+        </p:txBody>
+      </p:sp>
+    </p:spTree>
+    <p:extLst>
+      <p:ext uri="{BB962C8B-B14F-4D97-AF65-F5344CB8AC3E}">
+        <p14:creationId xmlns:p14="http://schemas.microsoft.com/office/powerpoint/2010/main" val="3148669639"/>
+      </p:ext>
+    </p:extLst>
+  </p:cSld>
+  <p:clrMapOvr>
+    <a:masterClrMapping/>
+  </p:clrMapOvr>
+</p:notes>
+</file>
+
+<file path=ppt/notesSlides/notesSlide6.xml><?xml version="1.0" encoding="utf-8"?>
+<p:notes xmlns:a="http://schemas.openxmlformats.org/drawingml/2006/main" xmlns:r="http://schemas.openxmlformats.org/officeDocument/2006/relationships" xmlns:p="http://schemas.openxmlformats.org/presentationml/2006/main">
+  <p:cSld>
+    <p:spTree>
+      <p:nvGrpSpPr>
+        <p:cNvPr id="1" name=""/>
+        <p:cNvGrpSpPr/>
+        <p:nvPr/>
+      </p:nvGrpSpPr>
+      <p:grpSpPr>
+        <a:xfrm>
+          <a:off x="0" y="0"/>
+          <a:ext cx="0" cy="0"/>
+          <a:chOff x="0" y="0"/>
+          <a:chExt cx="0" cy="0"/>
+        </a:xfrm>
+      </p:grpSpPr>
+      <p:sp>
+        <p:nvSpPr>
+          <p:cNvPr id="2" name="幻灯片图像占位符 1"/>
+          <p:cNvSpPr>
+            <a:spLocks noGrp="1" noRot="1" noChangeAspect="1"/>
+          </p:cNvSpPr>
+          <p:nvPr>
+            <p:ph type="sldImg"/>
+          </p:nvPr>
+        </p:nvSpPr>
+        <p:spPr/>
+      </p:sp>
+      <p:sp>
+        <p:nvSpPr>
+          <p:cNvPr id="3" name="备注占位符 2"/>
+          <p:cNvSpPr>
+            <a:spLocks noGrp="1"/>
+          </p:cNvSpPr>
+          <p:nvPr>
+            <p:ph type="body" idx="1"/>
+          </p:nvPr>
+        </p:nvSpPr>
+        <p:spPr/>
+        <p:txBody>
+          <a:bodyPr/>
+          <a:lstStyle/>
+          <a:p>
+            <a:r>
+              <a:rPr lang="zh-CN" altLang="en-US" dirty="0" smtClean="0"/>
+              <a:t>可不可以设置用户的获取信道的最大数量，达到这个数量，则不再向用户分配信道？？</a:t>
+            </a:r>
+            <a:endParaRPr lang="en-US" altLang="zh-CN" dirty="0" smtClean="0"/>
+          </a:p>
+          <a:p>
+            <a:endParaRPr lang="zh-CN" altLang="en-US" dirty="0"/>
+          </a:p>
+        </p:txBody>
+      </p:sp>
+      <p:sp>
+        <p:nvSpPr>
+          <p:cNvPr id="4" name="灯片编号占位符 3"/>
+          <p:cNvSpPr>
+            <a:spLocks noGrp="1"/>
+          </p:cNvSpPr>
+          <p:nvPr>
+            <p:ph type="sldNum" sz="quarter" idx="10"/>
+          </p:nvPr>
+        </p:nvSpPr>
+        <p:spPr/>
+        <p:txBody>
+          <a:bodyPr/>
+          <a:lstStyle/>
+          <a:p>
+            <a:fld id="{090B6873-00C3-44D3-80AF-F628129347FF}" type="slidenum">
+              <a:rPr lang="zh-CN" altLang="en-US" smtClean="0"/>
+              <a:pPr/>
               <a:t>40</a:t>
             </a:fld>
             <a:endParaRPr lang="zh-CN" altLang="en-US"/>
@@ -1087,7 +1172,7 @@
 </p:notes>
 </file>
 
-<file path=ppt/notesSlides/notesSlide6.xml><?xml version="1.0" encoding="utf-8"?>
+<file path=ppt/notesSlides/notesSlide7.xml><?xml version="1.0" encoding="utf-8"?>
 <p:notes xmlns:a="http://schemas.openxmlformats.org/drawingml/2006/main" xmlns:r="http://schemas.openxmlformats.org/officeDocument/2006/relationships" xmlns:p="http://schemas.openxmlformats.org/presentationml/2006/main">
   <p:cSld>
     <p:spTree>
@@ -4061,7 +4146,7 @@
           <a:graphicData uri="http://schemas.openxmlformats.org/presentationml/2006/ole">
             <mc:AlternateContent xmlns:mc="http://schemas.openxmlformats.org/markup-compatibility/2006">
               <mc:Choice xmlns:v="urn:schemas-microsoft-com:vml" Requires="v">
-                <p:oleObj spid="_x0000_s1371" name="Image" r:id="rId15" imgW="3847619" imgH="3796825" progId="">
+                <p:oleObj spid="_x0000_s1383" name="Image" r:id="rId15" imgW="3847619" imgH="3796825" progId="">
                   <p:embed/>
                 </p:oleObj>
               </mc:Choice>
@@ -10587,7 +10672,7 @@
           <a:graphicData uri="http://schemas.openxmlformats.org/presentationml/2006/ole">
             <mc:AlternateContent xmlns:mc="http://schemas.openxmlformats.org/markup-compatibility/2006">
               <mc:Choice xmlns:v="urn:schemas-microsoft-com:vml" Requires="v">
-                <p:oleObj spid="_x0000_s19809" name="图表" r:id="rId4" imgW="6210287" imgH="3971848" progId="Excel.Sheet.8">
+                <p:oleObj spid="_x0000_s19821" name="图表" r:id="rId4" imgW="6210287" imgH="3971848" progId="Excel.Sheet.8">
                   <p:embed/>
                 </p:oleObj>
               </mc:Choice>
@@ -18124,11 +18209,7 @@
             </a:r>
             <a:r>
               <a:rPr lang="zh-CN" altLang="en-US" dirty="0" smtClean="0"/>
-              <a:t>，可能</a:t>
-            </a:r>
-            <a:r>
-              <a:rPr lang="zh-CN" altLang="en-US" smtClean="0"/>
-              <a:t>会出现：</a:t>
+              <a:t>，可能会出现：</a:t>
             </a:r>
             <a:r>
               <a:rPr lang="zh-CN" altLang="en-US" dirty="0"/>
@@ -18528,11 +18609,7 @@
             </a:r>
             <a:r>
               <a:rPr lang="en-US" altLang="zh-CN" dirty="0" smtClean="0"/>
-              <a:t>1</a:t>
-            </a:r>
-            <a:r>
-              <a:rPr lang="en-US" altLang="zh-CN" dirty="0" smtClean="0"/>
-              <a:t>.</a:t>
+              <a:t>1.</a:t>
             </a:r>
             <a:r>
               <a:rPr lang="zh-CN" altLang="en-US" dirty="0" smtClean="0"/>
@@ -18550,19 +18627,27 @@
             </a:r>
             <a:r>
               <a:rPr lang="en-US" altLang="zh-CN" dirty="0" smtClean="0"/>
-              <a:t>   (1)</a:t>
+              <a:t>   (1</a:t>
+            </a:r>
+            <a:r>
+              <a:rPr lang="en-US" altLang="zh-CN" dirty="0" smtClean="0"/>
+              <a:t>)</a:t>
             </a:r>
             <a:r>
               <a:rPr lang="zh-CN" altLang="en-US" dirty="0" smtClean="0"/>
-              <a:t>用户处于</a:t>
+              <a:t>如，用户</a:t>
+            </a:r>
+            <a:r>
+              <a:rPr lang="zh-CN" altLang="en-US" dirty="0" smtClean="0"/>
+              <a:t>处于</a:t>
             </a:r>
             <a:r>
               <a:rPr lang="en-US" altLang="zh-CN" dirty="0" smtClean="0"/>
               <a:t> </a:t>
             </a:r>
             <a:r>
-              <a:rPr lang="en-US" altLang="zh-CN" dirty="0" err="1"/>
-              <a:t>picoBS</a:t>
+              <a:rPr lang="en-US" altLang="zh-CN" dirty="0" err="1" smtClean="0"/>
+              <a:t>PicoBS</a:t>
             </a:r>
             <a:r>
               <a:rPr lang="zh-CN" altLang="en-US" dirty="0"/>
@@ -19988,8 +20073,8 @@
           </p:nvSpPr>
           <p:spPr bwMode="auto">
             <a:xfrm>
-              <a:off x="4793671" y="3628164"/>
-              <a:ext cx="133351" cy="588110"/>
+              <a:off x="4777459" y="3415991"/>
+              <a:ext cx="133352" cy="588111"/>
             </a:xfrm>
             <a:prstGeom prst="triangle">
               <a:avLst/>
@@ -21486,11 +21571,7 @@
             </a:r>
             <a:r>
               <a:rPr lang="en-US" altLang="zh-CN" dirty="0" smtClean="0"/>
-              <a:t> </a:t>
-            </a:r>
-            <a:r>
-              <a:rPr lang="en-US" altLang="zh-CN" dirty="0" smtClean="0"/>
-              <a:t>(</a:t>
+              <a:t> (</a:t>
             </a:r>
             <a:r>
               <a:rPr lang="zh-CN" altLang="en-US" dirty="0"/>
@@ -21567,7 +21648,11 @@
             </a:pPr>
             <a:r>
               <a:rPr lang="zh-CN" altLang="en-US" dirty="0" smtClean="0"/>
-              <a:t>如果基站信道不能满足用户最低速率要求，则信噪比小的基站继续分配信道给这个用户。</a:t>
+              <a:t>如果此基</a:t>
+            </a:r>
+            <a:r>
+              <a:rPr lang="zh-CN" altLang="en-US" dirty="0" smtClean="0"/>
+              <a:t>站信道不能满足用户最低速率要求，则信噪比小的基站继续分配信道给这个用户。</a:t>
             </a:r>
             <a:endParaRPr lang="en-US" altLang="zh-CN" dirty="0" smtClean="0"/>
           </a:p>
@@ -21588,11 +21673,7 @@
             </a:pPr>
             <a:r>
               <a:rPr lang="en-US" altLang="zh-CN" dirty="0" smtClean="0"/>
-              <a:t> </a:t>
-            </a:r>
-            <a:r>
-              <a:rPr lang="en-US" altLang="zh-CN" dirty="0" smtClean="0"/>
-              <a:t>Pico </a:t>
+              <a:t> Pico </a:t>
             </a:r>
             <a:r>
               <a:rPr lang="zh-CN" altLang="en-US" dirty="0" smtClean="0"/>
@@ -21608,11 +21689,19 @@
             </a:r>
             <a:r>
               <a:rPr lang="en-US" altLang="zh-CN" dirty="0" smtClean="0"/>
-              <a:t>MBS or</a:t>
+              <a:t>MBS </a:t>
+            </a:r>
+            <a:r>
+              <a:rPr lang="en-US" altLang="zh-CN" dirty="0" smtClean="0"/>
+              <a:t>or </a:t>
             </a:r>
             <a:r>
               <a:rPr lang="zh-CN" altLang="en-US" dirty="0" smtClean="0"/>
-              <a:t>中继存在交叉区域，均采用以上策略</a:t>
+              <a:t>中继</a:t>
+            </a:r>
+            <a:r>
+              <a:rPr lang="zh-CN" altLang="en-US" dirty="0" smtClean="0"/>
+              <a:t>存在交叉区域，均采用以上策略</a:t>
             </a:r>
             <a:endParaRPr lang="en-US" altLang="zh-CN" dirty="0"/>
           </a:p>
@@ -21720,11 +21809,7 @@
             </a:r>
             <a:r>
               <a:rPr lang="zh-CN" altLang="en-US" dirty="0" smtClean="0"/>
-              <a:t>：</a:t>
-            </a:r>
-            <a:r>
-              <a:rPr lang="zh-CN" altLang="en-US" dirty="0" smtClean="0"/>
-              <a:t>如果用户群体集中分布在某个小型基站区域内（</a:t>
+              <a:t>：如果用户群体集中分布在某个小型基站区域内（</a:t>
             </a:r>
             <a:r>
               <a:rPr lang="en-US" altLang="zh-CN" dirty="0" smtClean="0"/>
@@ -21808,58 +21893,26 @@
               <a:t>如果此基站的信道分配完毕，还有用户没有分配信道，</a:t>
             </a:r>
             <a:r>
-              <a:rPr lang="zh-CN" altLang="en-US" dirty="0" smtClean="0">
-                <a:solidFill>
-                  <a:srgbClr val="FF0000"/>
-                </a:solidFill>
-              </a:rPr>
+              <a:rPr lang="zh-CN" altLang="en-US" dirty="0"/>
               <a:t>由宏基站</a:t>
             </a:r>
             <a:r>
-              <a:rPr lang="en-US" altLang="zh-CN" dirty="0" smtClean="0">
-                <a:solidFill>
-                  <a:srgbClr val="FF0000"/>
-                </a:solidFill>
-              </a:rPr>
+              <a:rPr lang="en-US" altLang="zh-CN" dirty="0"/>
               <a:t>(if  has free </a:t>
             </a:r>
             <a:r>
-              <a:rPr lang="en-US" altLang="zh-CN" dirty="0" err="1" smtClean="0">
-                <a:solidFill>
-                  <a:srgbClr val="FF0000"/>
-                </a:solidFill>
-              </a:rPr>
+              <a:rPr lang="en-US" altLang="zh-CN" dirty="0" err="1"/>
               <a:t>subchannel</a:t>
             </a:r>
             <a:r>
-              <a:rPr lang="en-US" altLang="zh-CN" dirty="0" smtClean="0">
-                <a:solidFill>
-                  <a:srgbClr val="FF0000"/>
-                </a:solidFill>
-              </a:rPr>
+              <a:rPr lang="en-US" altLang="zh-CN" dirty="0"/>
               <a:t>)</a:t>
             </a:r>
             <a:r>
-              <a:rPr lang="zh-CN" altLang="en-US" dirty="0" smtClean="0">
-                <a:solidFill>
-                  <a:srgbClr val="FF0000"/>
-                </a:solidFill>
-              </a:rPr>
-              <a:t>优先分配</a:t>
-            </a:r>
-            <a:r>
-              <a:rPr lang="zh-CN" altLang="en-US" dirty="0" smtClean="0">
-                <a:solidFill>
-                  <a:srgbClr val="FF0000"/>
-                </a:solidFill>
-              </a:rPr>
-              <a:t>信道</a:t>
-            </a:r>
-            <a:endParaRPr lang="en-US" altLang="zh-CN" dirty="0" smtClean="0">
-              <a:solidFill>
-                <a:srgbClr val="FF0000"/>
-              </a:solidFill>
-            </a:endParaRPr>
+              <a:rPr lang="zh-CN" altLang="en-US" dirty="0"/>
+              <a:t>优先分配信道，或者距离用户最近的还存在未分配信道的基站分配信道</a:t>
+            </a:r>
+            <a:endParaRPr lang="en-US" altLang="zh-CN" dirty="0"/>
           </a:p>
           <a:p>
             <a:pPr marL="514350" indent="-514350">
@@ -21970,7 +22023,7 @@
         </p:nvGrpSpPr>
         <p:grpSpPr>
           <a:xfrm>
-            <a:off x="1091613" y="159147"/>
+            <a:off x="1069909" y="159147"/>
             <a:ext cx="6782725" cy="6264696"/>
             <a:chOff x="1091613" y="159147"/>
             <a:chExt cx="6782725" cy="6264696"/>
@@ -23884,16 +23937,6 @@
                 </a:rPr>
                 <a:t>2</a:t>
               </a:r>
-              <a:endParaRPr kumimoji="0" lang="en-US" altLang="zh-CN" sz="1800" b="0" i="0" u="none" strike="noStrike" cap="none" normalizeH="0" baseline="0" dirty="0" smtClean="0">
-                <a:ln>
-                  <a:noFill/>
-                </a:ln>
-                <a:solidFill>
-                  <a:schemeClr val="tx1"/>
-                </a:solidFill>
-                <a:effectLst/>
-                <a:latin typeface="Arial" pitchFamily="34" charset="0"/>
-              </a:endParaRPr>
             </a:p>
           </p:txBody>
         </p:sp>
@@ -24377,6 +24420,132 @@
               <a:t>P</a:t>
             </a:r>
             <a:endParaRPr kumimoji="0" lang="zh-CN" altLang="en-US" sz="1800" b="0" i="0" u="none" strike="noStrike" cap="none" normalizeH="0" baseline="0" dirty="0" smtClean="0">
+              <a:ln>
+                <a:noFill/>
+              </a:ln>
+              <a:solidFill>
+                <a:schemeClr val="tx1"/>
+              </a:solidFill>
+              <a:effectLst/>
+              <a:latin typeface="Arial" pitchFamily="34" charset="0"/>
+            </a:endParaRPr>
+          </a:p>
+        </p:txBody>
+      </p:sp>
+      <p:sp>
+        <p:nvSpPr>
+          <p:cNvPr id="48" name="笑脸 47"/>
+          <p:cNvSpPr/>
+          <p:nvPr/>
+        </p:nvSpPr>
+        <p:spPr bwMode="auto">
+          <a:xfrm>
+            <a:off x="5494783" y="5301208"/>
+            <a:ext cx="199165" cy="177383"/>
+          </a:xfrm>
+          <a:prstGeom prst="smileyFace">
+            <a:avLst/>
+          </a:prstGeom>
+          <a:noFill/>
+          <a:ln w="9525" cap="flat" cmpd="sng" algn="ctr">
+            <a:solidFill>
+              <a:schemeClr val="tx1"/>
+            </a:solidFill>
+            <a:prstDash val="solid"/>
+            <a:round/>
+            <a:headEnd type="none" w="med" len="med"/>
+            <a:tailEnd type="none" w="med" len="med"/>
+          </a:ln>
+          <a:effectLst/>
+        </p:spPr>
+        <p:txBody>
+          <a:bodyPr vert="horz" wrap="square" lIns="91440" tIns="45720" rIns="91440" bIns="45720" numCol="1" rtlCol="0" anchor="t" anchorCtr="0" compatLnSpc="1">
+            <a:prstTxWarp prst="textNoShape">
+              <a:avLst/>
+            </a:prstTxWarp>
+          </a:bodyPr>
+          <a:lstStyle/>
+          <a:p>
+            <a:pPr marL="0" marR="0" indent="0" algn="l" defTabSz="914400" rtl="0" eaLnBrk="1" fontAlgn="base" latinLnBrk="0" hangingPunct="1">
+              <a:lnSpc>
+                <a:spcPct val="100000"/>
+              </a:lnSpc>
+              <a:spcBef>
+                <a:spcPct val="0"/>
+              </a:spcBef>
+              <a:spcAft>
+                <a:spcPct val="0"/>
+              </a:spcAft>
+              <a:buClrTx/>
+              <a:buSzTx/>
+              <a:buFontTx/>
+              <a:buNone/>
+              <a:tabLst/>
+            </a:pPr>
+            <a:endParaRPr kumimoji="0" lang="zh-CN" altLang="en-US" sz="1800" b="0" i="0" u="none" strike="noStrike" cap="none" normalizeH="0" baseline="0" smtClean="0">
+              <a:ln>
+                <a:noFill/>
+              </a:ln>
+              <a:solidFill>
+                <a:schemeClr val="tx1"/>
+              </a:solidFill>
+              <a:effectLst/>
+              <a:latin typeface="Arial" pitchFamily="34" charset="0"/>
+            </a:endParaRPr>
+          </a:p>
+        </p:txBody>
+      </p:sp>
+      <p:sp>
+        <p:nvSpPr>
+          <p:cNvPr id="49" name="笑脸 48"/>
+          <p:cNvSpPr/>
+          <p:nvPr/>
+        </p:nvSpPr>
+        <p:spPr bwMode="auto">
+          <a:xfrm>
+            <a:off x="5731808" y="4056656"/>
+            <a:ext cx="199165" cy="177383"/>
+          </a:xfrm>
+          <a:prstGeom prst="smileyFace">
+            <a:avLst/>
+          </a:prstGeom>
+          <a:noFill/>
+          <a:ln w="9525" cap="flat" cmpd="sng" algn="ctr">
+            <a:solidFill>
+              <a:schemeClr val="tx1"/>
+            </a:solidFill>
+            <a:prstDash val="solid"/>
+            <a:round/>
+            <a:headEnd type="none" w="med" len="med"/>
+            <a:tailEnd type="none" w="med" len="med"/>
+          </a:ln>
+          <a:effectLst/>
+        </p:spPr>
+        <p:txBody>
+          <a:bodyPr vert="horz" wrap="square" lIns="91440" tIns="45720" rIns="91440" bIns="45720" numCol="1" rtlCol="0" anchor="t" anchorCtr="0" compatLnSpc="1">
+            <a:prstTxWarp prst="textNoShape">
+              <a:avLst/>
+            </a:prstTxWarp>
+          </a:bodyPr>
+          <a:lstStyle/>
+          <a:p>
+            <a:pPr marL="0" marR="0" indent="0" algn="l" defTabSz="914400" rtl="0" eaLnBrk="1" fontAlgn="base" latinLnBrk="0" hangingPunct="1">
+              <a:lnSpc>
+                <a:spcPct val="100000"/>
+              </a:lnSpc>
+              <a:spcBef>
+                <a:spcPct val="0"/>
+              </a:spcBef>
+              <a:spcAft>
+                <a:spcPct val="0"/>
+              </a:spcAft>
+              <a:buClrTx/>
+              <a:buSzTx/>
+              <a:buFontTx/>
+              <a:buNone/>
+              <a:tabLst/>
+            </a:pPr>
+            <a:endParaRPr kumimoji="0" lang="zh-CN" altLang="en-US" sz="1800" b="0" i="0" u="none" strike="noStrike" cap="none" normalizeH="0" baseline="0" smtClean="0">
               <a:ln>
                 <a:noFill/>
               </a:ln>

--- a/胡歧龙开题答辩ppt-东北大学  (2) [自动保存的].pptx
+++ b/胡歧龙开题答辩ppt-东北大学  (2) [自动保存的].pptx
@@ -179,6 +179,63 @@
       </a:defRPr>
     </a:lvl9pPr>
   </p:defaultTextStyle>
+  <p:extLst>
+    <p:ext uri="{521415D9-36F7-43E2-AB2F-B90AF26B5E84}">
+      <p14:sectionLst xmlns:p14="http://schemas.microsoft.com/office/powerpoint/2010/main">
+        <p14:section name="默认节" id="{A4A3C906-521D-40CB-AA28-87A47676EFB9}">
+          <p14:sldIdLst>
+            <p14:sldId id="256"/>
+            <p14:sldId id="312"/>
+            <p14:sldId id="294"/>
+            <p14:sldId id="299"/>
+            <p14:sldId id="309"/>
+            <p14:sldId id="306"/>
+            <p14:sldId id="307"/>
+            <p14:sldId id="308"/>
+            <p14:sldId id="310"/>
+            <p14:sldId id="283"/>
+            <p14:sldId id="284"/>
+            <p14:sldId id="285"/>
+            <p14:sldId id="311"/>
+            <p14:sldId id="313"/>
+            <p14:sldId id="288"/>
+            <p14:sldId id="286"/>
+            <p14:sldId id="297"/>
+            <p14:sldId id="280"/>
+            <p14:sldId id="295"/>
+            <p14:sldId id="276"/>
+            <p14:sldId id="289"/>
+            <p14:sldId id="292"/>
+            <p14:sldId id="304"/>
+            <p14:sldId id="314"/>
+            <p14:sldId id="305"/>
+            <p14:sldId id="302"/>
+            <p14:sldId id="315"/>
+            <p14:sldId id="316"/>
+            <p14:sldId id="317"/>
+            <p14:sldId id="318"/>
+            <p14:sldId id="319"/>
+          </p14:sldIdLst>
+        </p14:section>
+        <p14:section name="优化" id="{032FA02F-AB28-4E2F-AFA7-A0851823EAB5}">
+          <p14:sldIdLst>
+            <p14:sldId id="320"/>
+            <p14:sldId id="321"/>
+            <p14:sldId id="322"/>
+            <p14:sldId id="325"/>
+            <p14:sldId id="323"/>
+            <p14:sldId id="324"/>
+            <p14:sldId id="326"/>
+            <p14:sldId id="327"/>
+            <p14:sldId id="328"/>
+            <p14:sldId id="329"/>
+            <p14:sldId id="330"/>
+            <p14:sldId id="331"/>
+          </p14:sldIdLst>
+        </p14:section>
+      </p14:sectionLst>
+    </p:ext>
+  </p:extLst>
 </p:presentation>
 </file>
 
@@ -265,7 +322,7 @@
             <a:fld id="{74BD64B3-E10C-46CA-A6B2-6A7C69EA4102}" type="datetimeFigureOut">
               <a:rPr lang="zh-CN" altLang="en-US" smtClean="0"/>
               <a:pPr/>
-              <a:t>2017/4/7</a:t>
+              <a:t>2017/5/21</a:t>
             </a:fld>
             <a:endParaRPr lang="zh-CN" altLang="en-US"/>
           </a:p>
@@ -868,7 +925,61 @@
                 <a:ea typeface="+mn-ea"/>
                 <a:cs typeface="+mn-cs"/>
               </a:rPr>
-              <a:t>表示具有空闲周期的慢启动周期数。</a:t>
+              <a:t>表示具有空闲周期的慢启动周期数</a:t>
+            </a:r>
+            <a:r>
+              <a:rPr lang="zh-CN" altLang="en-US" sz="1200" kern="1200" dirty="0" smtClean="0">
+                <a:solidFill>
+                  <a:schemeClr val="tx1"/>
+                </a:solidFill>
+                <a:latin typeface="+mn-lt"/>
+                <a:ea typeface="+mn-ea"/>
+                <a:cs typeface="+mn-cs"/>
+              </a:rPr>
+              <a:t>。</a:t>
+            </a:r>
+            <a:endParaRPr lang="en-US" altLang="zh-CN" sz="1200" kern="1200" dirty="0" smtClean="0">
+              <a:solidFill>
+                <a:schemeClr val="tx1"/>
+              </a:solidFill>
+              <a:latin typeface="+mn-lt"/>
+              <a:ea typeface="+mn-ea"/>
+              <a:cs typeface="+mn-cs"/>
+            </a:endParaRPr>
+          </a:p>
+          <a:p>
+            <a:r>
+              <a:rPr lang="en-US" altLang="zh-CN" sz="1200" kern="1200" dirty="0" smtClean="0">
+                <a:solidFill>
+                  <a:schemeClr val="tx1"/>
+                </a:solidFill>
+                <a:latin typeface="+mn-lt"/>
+                <a:ea typeface="+mn-ea"/>
+                <a:cs typeface="+mn-cs"/>
+              </a:rPr>
+              <a:t>MSS</a:t>
+            </a:r>
+            <a:r>
+              <a:rPr lang="zh-CN" altLang="en-US" sz="1200" kern="1200" dirty="0" smtClean="0">
+                <a:solidFill>
+                  <a:schemeClr val="tx1"/>
+                </a:solidFill>
+                <a:latin typeface="+mn-lt"/>
+                <a:ea typeface="+mn-ea"/>
+                <a:cs typeface="+mn-cs"/>
+              </a:rPr>
+              <a:t>；</a:t>
+            </a:r>
+            <a:r>
+              <a:rPr lang="en-US" altLang="zh-CN" sz="1200" kern="1200" smtClean="0">
+                <a:solidFill>
+                  <a:schemeClr val="tx1"/>
+                </a:solidFill>
+                <a:latin typeface="+mn-lt"/>
+                <a:ea typeface="+mn-ea"/>
+                <a:cs typeface="+mn-cs"/>
+              </a:rPr>
+              <a:t>https://zhidao.baidu.com/question/689078453018936884.html</a:t>
             </a:r>
             <a:endParaRPr lang="zh-CN" altLang="en-US" dirty="0"/>
           </a:p>
@@ -4146,7 +4257,7 @@
           <a:graphicData uri="http://schemas.openxmlformats.org/presentationml/2006/ole">
             <mc:AlternateContent xmlns:mc="http://schemas.openxmlformats.org/markup-compatibility/2006">
               <mc:Choice xmlns:v="urn:schemas-microsoft-com:vml" Requires="v">
-                <p:oleObj spid="_x0000_s1383" name="Image" r:id="rId15" imgW="3847619" imgH="3796825" progId="">
+                <p:oleObj spid="_x0000_s1390" name="Image" r:id="rId15" imgW="3847619" imgH="3796825" progId="">
                   <p:embed/>
                 </p:oleObj>
               </mc:Choice>
@@ -7203,7 +7314,7 @@
             <p:spPr>
               <a:xfrm>
                 <a:off x="2286000" y="1591284"/>
-                <a:ext cx="5886400" cy="2586414"/>
+                <a:ext cx="5886400" cy="3369449"/>
               </a:xfrm>
               <a:prstGeom prst="rect">
                 <a:avLst/>
@@ -8145,6 +8256,166 @@
                   <a:rPr lang="en-US" altLang="zh-CN" dirty="0"/>
                   <a:t>,n</a:t>
                 </a:r>
+                <a:r>
+                  <a:rPr lang="zh-CN" altLang="en-US" dirty="0" smtClean="0"/>
+                  <a:t>这是错的</a:t>
+                </a:r>
+                <a:endParaRPr lang="en-US" altLang="zh-CN" dirty="0" smtClean="0"/>
+              </a:p>
+              <a:p>
+                <a:pPr algn="ctr"/>
+                <a14:m>
+                  <m:oMathPara xmlns:m="http://schemas.openxmlformats.org/officeDocument/2006/math">
+                    <m:oMathParaPr>
+                      <m:jc m:val="centerGroup"/>
+                    </m:oMathParaPr>
+                    <m:oMath xmlns:m="http://schemas.openxmlformats.org/officeDocument/2006/math">
+                      <m:nary>
+                        <m:naryPr>
+                          <m:chr m:val="∑"/>
+                          <m:limLoc m:val="undOvr"/>
+                          <m:ctrlPr>
+                            <a:rPr lang="zh-CN" altLang="zh-CN" i="1">
+                              <a:latin typeface="Cambria Math"/>
+                            </a:rPr>
+                          </m:ctrlPr>
+                        </m:naryPr>
+                        <m:sub>
+                          <m:r>
+                            <m:rPr>
+                              <m:sty m:val="p"/>
+                            </m:rPr>
+                            <a:rPr lang="en-US" altLang="zh-CN">
+                              <a:latin typeface="Cambria Math"/>
+                            </a:rPr>
+                            <m:t>k</m:t>
+                          </m:r>
+                          <m:r>
+                            <a:rPr lang="en-US" altLang="zh-CN">
+                              <a:latin typeface="Cambria Math"/>
+                            </a:rPr>
+                            <m:t>=1</m:t>
+                          </m:r>
+                        </m:sub>
+                        <m:sup>
+                          <m:r>
+                            <m:rPr>
+                              <m:sty m:val="p"/>
+                            </m:rPr>
+                            <a:rPr lang="en-US" altLang="zh-CN">
+                              <a:latin typeface="Cambria Math"/>
+                            </a:rPr>
+                            <m:t>K</m:t>
+                          </m:r>
+                        </m:sup>
+                        <m:e>
+                          <m:sSub>
+                            <m:sSubPr>
+                              <m:ctrlPr>
+                                <a:rPr lang="zh-CN" altLang="zh-CN" i="1">
+                                  <a:latin typeface="Cambria Math"/>
+                                </a:rPr>
+                              </m:ctrlPr>
+                            </m:sSubPr>
+                            <m:e>
+                              <m:r>
+                                <m:rPr>
+                                  <m:sty m:val="p"/>
+                                </m:rPr>
+                                <a:rPr lang="en-US" altLang="zh-CN">
+                                  <a:latin typeface="Cambria Math"/>
+                                </a:rPr>
+                                <m:t>c</m:t>
+                              </m:r>
+                            </m:e>
+                            <m:sub>
+                              <m:r>
+                                <m:rPr>
+                                  <m:sty m:val="p"/>
+                                </m:rPr>
+                                <a:rPr lang="en-US" altLang="zh-CN">
+                                  <a:latin typeface="Cambria Math"/>
+                                </a:rPr>
+                                <m:t>n</m:t>
+                              </m:r>
+                              <m:r>
+                                <a:rPr lang="en-US" altLang="zh-CN">
+                                  <a:latin typeface="Cambria Math"/>
+                                </a:rPr>
+                                <m:t>,</m:t>
+                              </m:r>
+                              <m:r>
+                                <m:rPr>
+                                  <m:sty m:val="p"/>
+                                </m:rPr>
+                                <a:rPr lang="en-US" altLang="zh-CN">
+                                  <a:latin typeface="Cambria Math"/>
+                                </a:rPr>
+                                <m:t>k</m:t>
+                              </m:r>
+                              <m:r>
+                                <a:rPr lang="en-US" altLang="zh-CN">
+                                  <a:latin typeface="Cambria Math"/>
+                                </a:rPr>
+                                <m:t>,</m:t>
+                              </m:r>
+                              <m:r>
+                                <m:rPr>
+                                  <m:sty m:val="p"/>
+                                </m:rPr>
+                                <a:rPr lang="en-US" altLang="zh-CN">
+                                  <a:latin typeface="Cambria Math"/>
+                                </a:rPr>
+                                <m:t>s</m:t>
+                              </m:r>
+                            </m:sub>
+                          </m:sSub>
+                        </m:e>
+                      </m:nary>
+                      <m:r>
+                        <a:rPr lang="en-US" altLang="zh-CN">
+                          <a:latin typeface="Cambria Math"/>
+                        </a:rPr>
+                        <m:t>≤1</m:t>
+                      </m:r>
+                      <m:r>
+                        <a:rPr lang="zh-CN" altLang="en-US" b="0" i="1" smtClean="0">
+                          <a:latin typeface="Cambria Math"/>
+                        </a:rPr>
+                        <m:t>，</m:t>
+                      </m:r>
+                      <m:r>
+                        <a:rPr lang="en-US" altLang="zh-CN">
+                          <a:latin typeface="Cambria Math"/>
+                        </a:rPr>
+                        <m:t>∀</m:t>
+                      </m:r>
+                      <m:r>
+                        <m:rPr>
+                          <m:sty m:val="p"/>
+                        </m:rPr>
+                        <a:rPr lang="en-US" altLang="zh-CN">
+                          <a:latin typeface="Cambria Math"/>
+                        </a:rPr>
+                        <m:t>s</m:t>
+                      </m:r>
+                      <m:r>
+                        <m:rPr>
+                          <m:nor/>
+                        </m:rPr>
+                        <a:rPr lang="en-US" altLang="zh-CN" dirty="0"/>
+                        <m:t>,</m:t>
+                      </m:r>
+                      <m:r>
+                        <m:rPr>
+                          <m:nor/>
+                        </m:rPr>
+                        <a:rPr lang="en-US" altLang="zh-CN" dirty="0"/>
+                        <m:t>n</m:t>
+                      </m:r>
+                    </m:oMath>
+                  </m:oMathPara>
+                </a14:m>
                 <a:endParaRPr lang="zh-CN" altLang="zh-CN" dirty="0"/>
               </a:p>
               <a:p>
@@ -8258,7 +8529,7 @@
             <p:spPr>
               <a:xfrm>
                 <a:off x="2286000" y="1591284"/>
-                <a:ext cx="5886400" cy="2586414"/>
+                <a:ext cx="5886400" cy="3369449"/>
               </a:xfrm>
               <a:prstGeom prst="rect">
                 <a:avLst/>
@@ -8266,7 +8537,7 @@
               <a:blipFill rotWithShape="1">
                 <a:blip r:embed="rId2"/>
                 <a:stretch>
-                  <a:fillRect l="-828" t="-1179" b="-14858"/>
+                  <a:fillRect l="-828" t="-904"/>
                 </a:stretch>
               </a:blipFill>
             </p:spPr>
@@ -10672,7 +10943,7 @@
           <a:graphicData uri="http://schemas.openxmlformats.org/presentationml/2006/ole">
             <mc:AlternateContent xmlns:mc="http://schemas.openxmlformats.org/markup-compatibility/2006">
               <mc:Choice xmlns:v="urn:schemas-microsoft-com:vml" Requires="v">
-                <p:oleObj spid="_x0000_s19821" name="图表" r:id="rId4" imgW="6210287" imgH="3971848" progId="Excel.Sheet.8">
+                <p:oleObj spid="_x0000_s19828" name="图表" r:id="rId4" imgW="6210287" imgH="3971848" progId="Excel.Sheet.8">
                   <p:embed/>
                 </p:oleObj>
               </mc:Choice>
@@ -15023,7 +15294,7 @@
             </p:nvSpPr>
             <p:spPr>
               <a:xfrm>
-                <a:off x="755576" y="2924944"/>
+                <a:off x="899592" y="2564904"/>
                 <a:ext cx="7349324" cy="4453848"/>
               </a:xfrm>
               <a:prstGeom prst="rect">
@@ -16289,7 +16560,7 @@
             </p:nvSpPr>
             <p:spPr>
               <a:xfrm>
-                <a:off x="755576" y="2924944"/>
+                <a:off x="899592" y="2564904"/>
                 <a:ext cx="7349324" cy="4453848"/>
               </a:xfrm>
               <a:prstGeom prst="rect">
@@ -16298,7 +16569,7 @@
               <a:blipFill rotWithShape="1">
                 <a:blip r:embed="rId2"/>
                 <a:stretch>
-                  <a:fillRect l="-2156" t="-822"/>
+                  <a:fillRect l="-2158" t="-822"/>
                 </a:stretch>
               </a:blipFill>
             </p:spPr>
@@ -18627,19 +18898,11 @@
             </a:r>
             <a:r>
               <a:rPr lang="en-US" altLang="zh-CN" dirty="0" smtClean="0"/>
-              <a:t>   (1</a:t>
-            </a:r>
-            <a:r>
-              <a:rPr lang="en-US" altLang="zh-CN" dirty="0" smtClean="0"/>
-              <a:t>)</a:t>
+              <a:t>   (1)</a:t>
             </a:r>
             <a:r>
               <a:rPr lang="zh-CN" altLang="en-US" dirty="0" smtClean="0"/>
-              <a:t>如，用户</a:t>
-            </a:r>
-            <a:r>
-              <a:rPr lang="zh-CN" altLang="en-US" dirty="0" smtClean="0"/>
-              <a:t>处于</a:t>
+              <a:t>如，用户处于</a:t>
             </a:r>
             <a:r>
               <a:rPr lang="en-US" altLang="zh-CN" dirty="0" smtClean="0"/>
@@ -21648,11 +21911,7 @@
             </a:pPr>
             <a:r>
               <a:rPr lang="zh-CN" altLang="en-US" dirty="0" smtClean="0"/>
-              <a:t>如果此基</a:t>
-            </a:r>
-            <a:r>
-              <a:rPr lang="zh-CN" altLang="en-US" dirty="0" smtClean="0"/>
-              <a:t>站信道不能满足用户最低速率要求，则信噪比小的基站继续分配信道给这个用户。</a:t>
+              <a:t>如果此基站信道不能满足用户最低速率要求，则信噪比小的基站继续分配信道给这个用户。</a:t>
             </a:r>
             <a:endParaRPr lang="en-US" altLang="zh-CN" dirty="0" smtClean="0"/>
           </a:p>
@@ -21689,19 +21948,11 @@
             </a:r>
             <a:r>
               <a:rPr lang="en-US" altLang="zh-CN" dirty="0" smtClean="0"/>
-              <a:t>MBS </a:t>
-            </a:r>
-            <a:r>
-              <a:rPr lang="en-US" altLang="zh-CN" dirty="0" smtClean="0"/>
-              <a:t>or </a:t>
+              <a:t>MBS or </a:t>
             </a:r>
             <a:r>
               <a:rPr lang="zh-CN" altLang="en-US" dirty="0" smtClean="0"/>
-              <a:t>中继</a:t>
-            </a:r>
-            <a:r>
-              <a:rPr lang="zh-CN" altLang="en-US" dirty="0" smtClean="0"/>
-              <a:t>存在交叉区域，均采用以上策略</a:t>
+              <a:t>中继存在交叉区域，均采用以上策略</a:t>
             </a:r>
             <a:endParaRPr lang="en-US" altLang="zh-CN" dirty="0"/>
           </a:p>
@@ -26404,7 +26655,7 @@
         <a:sysClr val="windowText" lastClr="000000"/>
       </a:dk1>
       <a:lt1>
-        <a:sysClr val="window" lastClr="FFFFFF"/>
+        <a:sysClr val="window" lastClr="CCE8CF"/>
       </a:lt1>
       <a:dk2>
         <a:srgbClr val="1F497D"/>
